--- a/PYTHONPARALLELCOMPUTING.pptx
+++ b/PYTHONPARALLELCOMPUTING.pptx
@@ -15,6 +15,7 @@
     <p:sldId id="263" r:id="rId9"/>
     <p:sldId id="264" r:id="rId10"/>
     <p:sldId id="265" r:id="rId11"/>
+    <p:sldId id="266" r:id="rId12"/>
   </p:sldIdLst>
   <p:sldSz cx="12192000" cy="6858000"/>
   <p:notesSz cx="6858000" cy="9144000"/>
@@ -3544,6 +3545,184 @@
 </p:sld>
 </file>
 
+<file path=ppt/slides/slide11.xml><?xml version="1.0" encoding="utf-8"?>
+<p:sld xmlns:a="http://schemas.openxmlformats.org/drawingml/2006/main" xmlns:r="http://schemas.openxmlformats.org/officeDocument/2006/relationships" xmlns:p="http://schemas.openxmlformats.org/presentationml/2006/main">
+  <p:cSld>
+    <p:spTree>
+      <p:nvGrpSpPr>
+        <p:cNvPr id="1" name=""/>
+        <p:cNvGrpSpPr/>
+        <p:nvPr/>
+      </p:nvGrpSpPr>
+      <p:grpSpPr>
+        <a:xfrm>
+          <a:off x="0" y="0"/>
+          <a:ext cx="0" cy="0"/>
+          <a:chOff x="0" y="0"/>
+          <a:chExt cx="0" cy="0"/>
+        </a:xfrm>
+      </p:grpSpPr>
+      <p:sp>
+        <p:nvSpPr>
+          <p:cNvPr id="5" name="Text Placeholder 4">
+            <a:extLst>
+              <a:ext uri="{FF2B5EF4-FFF2-40B4-BE49-F238E27FC236}">
+                <a16:creationId xmlns:a16="http://schemas.microsoft.com/office/drawing/2014/main" id="{89D03F4A-3BEF-41F7-AFBF-7BFA0BE7E465}"/>
+              </a:ext>
+            </a:extLst>
+          </p:cNvPr>
+          <p:cNvSpPr>
+            <a:spLocks noGrp="1"/>
+          </p:cNvSpPr>
+          <p:nvPr>
+            <p:ph type="body" idx="1"/>
+          </p:nvPr>
+        </p:nvSpPr>
+        <p:spPr/>
+        <p:txBody>
+          <a:bodyPr/>
+          <a:lstStyle/>
+          <a:p>
+            <a:r>
+              <a:rPr lang="en-US" dirty="0"/>
+              <a:t>Concurrent</a:t>
+            </a:r>
+          </a:p>
+        </p:txBody>
+      </p:sp>
+      <p:pic>
+        <p:nvPicPr>
+          <p:cNvPr id="9" name="Content Placeholder 8">
+            <a:extLst>
+              <a:ext uri="{FF2B5EF4-FFF2-40B4-BE49-F238E27FC236}">
+                <a16:creationId xmlns:a16="http://schemas.microsoft.com/office/drawing/2014/main" id="{E05DD693-D7A0-4A72-9BD6-36D33407E801}"/>
+              </a:ext>
+            </a:extLst>
+          </p:cNvPr>
+          <p:cNvPicPr>
+            <a:picLocks noGrp="1" noChangeAspect="1"/>
+          </p:cNvPicPr>
+          <p:nvPr>
+            <p:ph sz="half" idx="2"/>
+          </p:nvPr>
+        </p:nvPicPr>
+        <p:blipFill>
+          <a:blip r:embed="rId2"/>
+          <a:stretch>
+            <a:fillRect/>
+          </a:stretch>
+        </p:blipFill>
+        <p:spPr>
+          <a:xfrm>
+            <a:off x="1582738" y="3232150"/>
+            <a:ext cx="4270375" cy="2596776"/>
+          </a:xfrm>
+          <a:prstGeom prst="rect">
+            <a:avLst/>
+          </a:prstGeom>
+        </p:spPr>
+      </p:pic>
+      <p:pic>
+        <p:nvPicPr>
+          <p:cNvPr id="10" name="Content Placeholder 9">
+            <a:extLst>
+              <a:ext uri="{FF2B5EF4-FFF2-40B4-BE49-F238E27FC236}">
+                <a16:creationId xmlns:a16="http://schemas.microsoft.com/office/drawing/2014/main" id="{BE0D359D-5259-47B6-8EFF-0BF7B61F5B58}"/>
+              </a:ext>
+            </a:extLst>
+          </p:cNvPr>
+          <p:cNvPicPr>
+            <a:picLocks noGrp="1" noChangeAspect="1"/>
+          </p:cNvPicPr>
+          <p:nvPr>
+            <p:ph sz="quarter" idx="4"/>
+          </p:nvPr>
+        </p:nvPicPr>
+        <p:blipFill>
+          <a:blip r:embed="rId3"/>
+          <a:stretch>
+            <a:fillRect/>
+          </a:stretch>
+        </p:blipFill>
+        <p:spPr>
+          <a:xfrm>
+            <a:off x="6338888" y="3086100"/>
+            <a:ext cx="4252912" cy="2807208"/>
+          </a:xfrm>
+          <a:prstGeom prst="rect">
+            <a:avLst/>
+          </a:prstGeom>
+        </p:spPr>
+      </p:pic>
+      <p:sp>
+        <p:nvSpPr>
+          <p:cNvPr id="8" name="Text Placeholder 7">
+            <a:extLst>
+              <a:ext uri="{FF2B5EF4-FFF2-40B4-BE49-F238E27FC236}">
+                <a16:creationId xmlns:a16="http://schemas.microsoft.com/office/drawing/2014/main" id="{1777268F-29ED-4A0C-82FF-036654CFF1D7}"/>
+              </a:ext>
+            </a:extLst>
+          </p:cNvPr>
+          <p:cNvSpPr>
+            <a:spLocks noGrp="1"/>
+          </p:cNvSpPr>
+          <p:nvPr>
+            <p:ph type="body" sz="quarter" idx="13"/>
+          </p:nvPr>
+        </p:nvSpPr>
+        <p:spPr/>
+        <p:txBody>
+          <a:bodyPr/>
+          <a:lstStyle/>
+          <a:p>
+            <a:r>
+              <a:rPr lang="en-US" dirty="0"/>
+              <a:t>PARALLEL</a:t>
+            </a:r>
+          </a:p>
+        </p:txBody>
+      </p:sp>
+      <p:sp>
+        <p:nvSpPr>
+          <p:cNvPr id="4" name="Title 3">
+            <a:extLst>
+              <a:ext uri="{FF2B5EF4-FFF2-40B4-BE49-F238E27FC236}">
+                <a16:creationId xmlns:a16="http://schemas.microsoft.com/office/drawing/2014/main" id="{C52A5C4C-A5E8-4707-B112-C82C4D97F200}"/>
+              </a:ext>
+            </a:extLst>
+          </p:cNvPr>
+          <p:cNvSpPr>
+            <a:spLocks noGrp="1"/>
+          </p:cNvSpPr>
+          <p:nvPr>
+            <p:ph type="title"/>
+          </p:nvPr>
+        </p:nvSpPr>
+        <p:spPr/>
+        <p:txBody>
+          <a:bodyPr/>
+          <a:lstStyle/>
+          <a:p>
+            <a:r>
+              <a:rPr lang="en-US" dirty="0"/>
+              <a:t>Concurrent v/s PARALLEL</a:t>
+            </a:r>
+          </a:p>
+        </p:txBody>
+      </p:sp>
+    </p:spTree>
+    <p:extLst>
+      <p:ext uri="{BB962C8B-B14F-4D97-AF65-F5344CB8AC3E}">
+        <p14:creationId xmlns:p14="http://schemas.microsoft.com/office/powerpoint/2010/main" val="2590059288"/>
+      </p:ext>
+    </p:extLst>
+  </p:cSld>
+  <p:clrMapOvr>
+    <a:masterClrMapping/>
+  </p:clrMapOvr>
+</p:sld>
+</file>
+
 <file path=ppt/slides/slide2.xml><?xml version="1.0" encoding="utf-8"?>
 <p:sld xmlns:a="http://schemas.openxmlformats.org/drawingml/2006/main" xmlns:r="http://schemas.openxmlformats.org/officeDocument/2006/relationships" xmlns:p="http://schemas.openxmlformats.org/presentationml/2006/main">
   <p:cSld>
